--- a/ProjectDocuments/Template4Mid (6) (2).pptx
+++ b/ProjectDocuments/Template4Mid (6) (2).pptx
@@ -5,7 +5,7 @@
     <p:sldMasterId id="2147483648" r:id="rId1"/>
   </p:sldMasterIdLst>
   <p:notesMasterIdLst>
-    <p:notesMasterId r:id="rId14"/>
+    <p:notesMasterId r:id="rId17"/>
   </p:notesMasterIdLst>
   <p:sldIdLst>
     <p:sldId id="256" r:id="rId2"/>
@@ -15,11 +15,14 @@
     <p:sldId id="261" r:id="rId6"/>
     <p:sldId id="265" r:id="rId7"/>
     <p:sldId id="263" r:id="rId8"/>
-    <p:sldId id="264" r:id="rId9"/>
-    <p:sldId id="266" r:id="rId10"/>
-    <p:sldId id="267" r:id="rId11"/>
-    <p:sldId id="268" r:id="rId12"/>
-    <p:sldId id="269" r:id="rId13"/>
+    <p:sldId id="270" r:id="rId9"/>
+    <p:sldId id="271" r:id="rId10"/>
+    <p:sldId id="272" r:id="rId11"/>
+    <p:sldId id="264" r:id="rId12"/>
+    <p:sldId id="266" r:id="rId13"/>
+    <p:sldId id="267" r:id="rId14"/>
+    <p:sldId id="268" r:id="rId15"/>
+    <p:sldId id="269" r:id="rId16"/>
   </p:sldIdLst>
   <p:sldSz cx="12192000" cy="6858000"/>
   <p:notesSz cx="6858000" cy="9144000"/>
@@ -3682,7 +3685,7 @@
                 <a:latin typeface="David" panose="020E0502060401010101" pitchFamily="34" charset="-79"/>
                 <a:cs typeface="David" panose="020E0502060401010101" pitchFamily="34" charset="-79"/>
               </a:rPr>
-              <a:t>FSR402</a:t>
+              <a:t>IMU</a:t>
             </a:r>
             <a:r>
               <a:rPr lang="he-IL" dirty="0" smtClean="0">
@@ -3779,8 +3782,8 @@
         </p:nvSpPr>
         <p:spPr>
           <a:xfrm>
-            <a:off x="5772662" y="5451528"/>
-            <a:ext cx="5586787" cy="369332"/>
+            <a:off x="7915878" y="5451528"/>
+            <a:ext cx="3443571" cy="369332"/>
           </a:xfrm>
           <a:prstGeom prst="rect">
             <a:avLst/>
@@ -3799,7 +3802,11 @@
             </a:pPr>
             <a:r>
               <a:rPr lang="he-IL" dirty="0" smtClean="0"/>
-              <a:t>התוצאות של לחיצה ושחרור של החיישן באמצעות האצבע.</a:t>
+              <a:t>נעילת שני </a:t>
+            </a:r>
+            <a:r>
+              <a:rPr lang="he-IL" smtClean="0"/>
+              <a:t>צירים וסיבוב בציר אחד</a:t>
             </a:r>
             <a:endParaRPr lang="he-IL" dirty="0"/>
           </a:p>
@@ -3807,7 +3814,7 @@
       </p:sp>
       <p:pic>
         <p:nvPicPr>
-          <p:cNvPr id="10" name="Image9"/>
+          <p:cNvPr id="11" name="Image20"/>
           <p:cNvPicPr/>
           <p:nvPr/>
         </p:nvPicPr>
@@ -3819,7 +3826,29 @@
         </p:blipFill>
         <p:spPr bwMode="auto">
           <a:xfrm>
-            <a:off x="3245743" y="1304058"/>
+            <a:off x="267419" y="1284685"/>
+            <a:ext cx="5274310" cy="3955415"/>
+          </a:xfrm>
+          <a:prstGeom prst="rect">
+            <a:avLst/>
+          </a:prstGeom>
+        </p:spPr>
+      </p:pic>
+      <p:pic>
+        <p:nvPicPr>
+          <p:cNvPr id="12" name="Image21"/>
+          <p:cNvPicPr/>
+          <p:nvPr/>
+        </p:nvPicPr>
+        <p:blipFill>
+          <a:blip r:embed="rId4"/>
+          <a:stretch>
+            <a:fillRect/>
+          </a:stretch>
+        </p:blipFill>
+        <p:spPr bwMode="auto">
+          <a:xfrm>
+            <a:off x="5702225" y="1195570"/>
             <a:ext cx="5274310" cy="3955415"/>
           </a:xfrm>
           <a:prstGeom prst="rect">
@@ -3830,7 +3859,7 @@
     </p:spTree>
     <p:extLst>
       <p:ext uri="{BB962C8B-B14F-4D97-AF65-F5344CB8AC3E}">
-        <p14:creationId xmlns:p14="http://schemas.microsoft.com/office/powerpoint/2010/main" val="1404245300"/>
+        <p14:creationId xmlns:p14="http://schemas.microsoft.com/office/powerpoint/2010/main" val="1365431898"/>
       </p:ext>
     </p:extLst>
   </p:cSld>
@@ -3880,11 +3909,18 @@
           <a:lstStyle/>
           <a:p>
             <a:r>
+              <a:rPr lang="en-US" dirty="0" err="1" smtClean="0">
+                <a:latin typeface="David" panose="020E0502060401010101" pitchFamily="34" charset="-79"/>
+                <a:cs typeface="David" panose="020E0502060401010101" pitchFamily="34" charset="-79"/>
+              </a:rPr>
+              <a:t>ToF</a:t>
+            </a:r>
+            <a:r>
               <a:rPr lang="he-IL" dirty="0" smtClean="0">
                 <a:latin typeface="David" panose="020E0502060401010101" pitchFamily="34" charset="-79"/>
                 <a:cs typeface="David" panose="020E0502060401010101" pitchFamily="34" charset="-79"/>
               </a:rPr>
-              <a:t>מסקנות</a:t>
+              <a:t> תוצאות </a:t>
             </a:r>
             <a:endParaRPr lang="en-US" dirty="0"/>
           </a:p>
@@ -3974,8 +4010,8 @@
         </p:nvSpPr>
         <p:spPr>
           <a:xfrm>
-            <a:off x="8523803" y="1251487"/>
-            <a:ext cx="2754280" cy="369332"/>
+            <a:off x="3815396" y="5451528"/>
+            <a:ext cx="7544053" cy="646331"/>
           </a:xfrm>
           <a:prstGeom prst="rect">
             <a:avLst/>
@@ -3994,16 +4030,53 @@
             </a:pPr>
             <a:r>
               <a:rPr lang="he-IL" dirty="0" smtClean="0"/>
-              <a:t>החיישנים מתפקדים כראוי</a:t>
+              <a:t>השוואה בין הליכה והתקרבות אל הסנסור העובד בתדירות של </a:t>
+            </a:r>
+            <a:r>
+              <a:rPr lang="en-US" dirty="0" smtClean="0"/>
+              <a:t>100KHz</a:t>
+            </a:r>
+            <a:r>
+              <a:rPr lang="he-IL" dirty="0" smtClean="0"/>
+              <a:t> – </a:t>
+            </a:r>
+          </a:p>
+          <a:p>
+            <a:pPr algn="r" rtl="1"/>
+            <a:r>
+              <a:rPr lang="he-IL" dirty="0" smtClean="0"/>
+              <a:t>ערך הממוצע של הפיקסלים. כאמור ניתן לראות שהתקרבות וההתרחקות עובד כצפוי.</a:t>
             </a:r>
             <a:endParaRPr lang="he-IL" dirty="0"/>
           </a:p>
         </p:txBody>
       </p:sp>
+      <p:pic>
+        <p:nvPicPr>
+          <p:cNvPr id="12" name="Image4"/>
+          <p:cNvPicPr/>
+          <p:nvPr/>
+        </p:nvPicPr>
+        <p:blipFill>
+          <a:blip r:embed="rId3"/>
+          <a:stretch>
+            <a:fillRect/>
+          </a:stretch>
+        </p:blipFill>
+        <p:spPr bwMode="auto">
+          <a:xfrm>
+            <a:off x="3458845" y="1451293"/>
+            <a:ext cx="5274310" cy="3955415"/>
+          </a:xfrm>
+          <a:prstGeom prst="rect">
+            <a:avLst/>
+          </a:prstGeom>
+        </p:spPr>
+      </p:pic>
     </p:spTree>
     <p:extLst>
       <p:ext uri="{BB962C8B-B14F-4D97-AF65-F5344CB8AC3E}">
-        <p14:creationId xmlns:p14="http://schemas.microsoft.com/office/powerpoint/2010/main" val="1694086546"/>
+        <p14:creationId xmlns:p14="http://schemas.microsoft.com/office/powerpoint/2010/main" val="907534432"/>
       </p:ext>
     </p:extLst>
   </p:cSld>
@@ -4053,11 +4126,18 @@
           <a:lstStyle/>
           <a:p>
             <a:r>
+              <a:rPr lang="en-US" dirty="0" smtClean="0">
+                <a:latin typeface="David" panose="020E0502060401010101" pitchFamily="34" charset="-79"/>
+                <a:cs typeface="David" panose="020E0502060401010101" pitchFamily="34" charset="-79"/>
+              </a:rPr>
+              <a:t>AMG8833</a:t>
+            </a:r>
+            <a:r>
               <a:rPr lang="he-IL" dirty="0" smtClean="0">
                 <a:latin typeface="David" panose="020E0502060401010101" pitchFamily="34" charset="-79"/>
                 <a:cs typeface="David" panose="020E0502060401010101" pitchFamily="34" charset="-79"/>
               </a:rPr>
-              <a:t>מסקנות להמשך</a:t>
+              <a:t> תוצאות </a:t>
             </a:r>
             <a:endParaRPr lang="en-US" dirty="0"/>
           </a:p>
@@ -4134,6 +4214,583 @@
             <a:fld id="{397A11E8-8F25-49C3-8F7D-865FECFDFD18}" type="slidenum">
               <a:rPr lang="en-US" smtClean="0"/>
               <a:t>12</a:t>
+            </a:fld>
+            <a:endParaRPr lang="en-US"/>
+          </a:p>
+        </p:txBody>
+      </p:sp>
+      <p:sp>
+        <p:nvSpPr>
+          <p:cNvPr id="3" name="TextBox 2"/>
+          <p:cNvSpPr txBox="1"/>
+          <p:nvPr/>
+        </p:nvSpPr>
+        <p:spPr>
+          <a:xfrm>
+            <a:off x="327263" y="5451528"/>
+            <a:ext cx="11032186" cy="646331"/>
+          </a:xfrm>
+          <a:prstGeom prst="rect">
+            <a:avLst/>
+          </a:prstGeom>
+          <a:noFill/>
+        </p:spPr>
+        <p:txBody>
+          <a:bodyPr wrap="none" rtlCol="1">
+            <a:spAutoFit/>
+          </a:bodyPr>
+          <a:lstStyle/>
+          <a:p>
+            <a:pPr marL="285750" indent="-285750" algn="r" rtl="1">
+              <a:buFont typeface="Arial" panose="020B0604020202020204" pitchFamily="34" charset="0"/>
+              <a:buChar char="•"/>
+            </a:pPr>
+            <a:r>
+              <a:rPr lang="he-IL" dirty="0" smtClean="0"/>
+              <a:t>השוואה בין הטמפ' הממוצעות של כל הפיקסלים של החיישן, ניתן לראות שנותן טמפ' חום גוף של אדם כצפוי ( עמידה מול</a:t>
+            </a:r>
+          </a:p>
+          <a:p>
+            <a:pPr algn="r" rtl="1"/>
+            <a:r>
+              <a:rPr lang="he-IL" dirty="0" smtClean="0"/>
+              <a:t>המצלמה התרמית)</a:t>
+            </a:r>
+            <a:endParaRPr lang="he-IL" dirty="0"/>
+          </a:p>
+        </p:txBody>
+      </p:sp>
+      <p:pic>
+        <p:nvPicPr>
+          <p:cNvPr id="11" name="Image7"/>
+          <p:cNvPicPr/>
+          <p:nvPr/>
+        </p:nvPicPr>
+        <p:blipFill>
+          <a:blip r:embed="rId3"/>
+          <a:stretch>
+            <a:fillRect/>
+          </a:stretch>
+        </p:blipFill>
+        <p:spPr bwMode="auto">
+          <a:xfrm>
+            <a:off x="3523281" y="979982"/>
+            <a:ext cx="4069457" cy="4264477"/>
+          </a:xfrm>
+          <a:prstGeom prst="rect">
+            <a:avLst/>
+          </a:prstGeom>
+        </p:spPr>
+      </p:pic>
+    </p:spTree>
+    <p:extLst>
+      <p:ext uri="{BB962C8B-B14F-4D97-AF65-F5344CB8AC3E}">
+        <p14:creationId xmlns:p14="http://schemas.microsoft.com/office/powerpoint/2010/main" val="572226084"/>
+      </p:ext>
+    </p:extLst>
+  </p:cSld>
+  <p:clrMapOvr>
+    <a:masterClrMapping/>
+  </p:clrMapOvr>
+</p:sld>
+</file>
+
+<file path=ppt/slides/slide13.xml><?xml version="1.0" encoding="utf-8"?>
+<p:sld xmlns:a="http://schemas.openxmlformats.org/drawingml/2006/main" xmlns:r="http://schemas.openxmlformats.org/officeDocument/2006/relationships" xmlns:p="http://schemas.openxmlformats.org/presentationml/2006/main">
+  <p:cSld>
+    <p:spTree>
+      <p:nvGrpSpPr>
+        <p:cNvPr id="1" name=""/>
+        <p:cNvGrpSpPr/>
+        <p:nvPr/>
+      </p:nvGrpSpPr>
+      <p:grpSpPr>
+        <a:xfrm>
+          <a:off x="0" y="0"/>
+          <a:ext cx="0" cy="0"/>
+          <a:chOff x="0" y="0"/>
+          <a:chExt cx="0" cy="0"/>
+        </a:xfrm>
+      </p:grpSpPr>
+      <p:sp>
+        <p:nvSpPr>
+          <p:cNvPr id="4" name="Title 3"/>
+          <p:cNvSpPr>
+            <a:spLocks noGrp="1"/>
+          </p:cNvSpPr>
+          <p:nvPr>
+            <p:ph type="title"/>
+          </p:nvPr>
+        </p:nvSpPr>
+        <p:spPr>
+          <a:xfrm>
+            <a:off x="4052455" y="404828"/>
+            <a:ext cx="6702725" cy="575154"/>
+          </a:xfrm>
+        </p:spPr>
+        <p:txBody>
+          <a:bodyPr>
+            <a:normAutofit fontScale="90000"/>
+          </a:bodyPr>
+          <a:lstStyle/>
+          <a:p>
+            <a:r>
+              <a:rPr lang="en-US" dirty="0" smtClean="0">
+                <a:latin typeface="David" panose="020E0502060401010101" pitchFamily="34" charset="-79"/>
+                <a:cs typeface="David" panose="020E0502060401010101" pitchFamily="34" charset="-79"/>
+              </a:rPr>
+              <a:t>FSR402</a:t>
+            </a:r>
+            <a:r>
+              <a:rPr lang="he-IL" dirty="0" smtClean="0">
+                <a:latin typeface="David" panose="020E0502060401010101" pitchFamily="34" charset="-79"/>
+                <a:cs typeface="David" panose="020E0502060401010101" pitchFamily="34" charset="-79"/>
+              </a:rPr>
+              <a:t> תוצאות </a:t>
+            </a:r>
+            <a:endParaRPr lang="en-US" dirty="0"/>
+          </a:p>
+        </p:txBody>
+      </p:sp>
+      <p:pic>
+        <p:nvPicPr>
+          <p:cNvPr id="6" name="Picture 5"/>
+          <p:cNvPicPr>
+            <a:picLocks noChangeAspect="1"/>
+          </p:cNvPicPr>
+          <p:nvPr/>
+        </p:nvPicPr>
+        <p:blipFill>
+          <a:blip r:embed="rId2" cstate="print">
+            <a:extLst>
+              <a:ext uri="{28A0092B-C50C-407E-A947-70E740481C1C}">
+                <a14:useLocalDpi xmlns:a14="http://schemas.microsoft.com/office/drawing/2010/main" val="0"/>
+              </a:ext>
+            </a:extLst>
+          </a:blip>
+          <a:stretch>
+            <a:fillRect/>
+          </a:stretch>
+        </p:blipFill>
+        <p:spPr>
+          <a:xfrm>
+            <a:off x="267419" y="273545"/>
+            <a:ext cx="2925420" cy="666735"/>
+          </a:xfrm>
+          <a:prstGeom prst="rect">
+            <a:avLst/>
+          </a:prstGeom>
+        </p:spPr>
+      </p:pic>
+      <p:sp>
+        <p:nvSpPr>
+          <p:cNvPr id="8" name="Date Placeholder 7"/>
+          <p:cNvSpPr>
+            <a:spLocks noGrp="1"/>
+          </p:cNvSpPr>
+          <p:nvPr>
+            <p:ph type="dt" sz="half" idx="10"/>
+          </p:nvPr>
+        </p:nvSpPr>
+        <p:spPr/>
+        <p:txBody>
+          <a:bodyPr/>
+          <a:lstStyle/>
+          <a:p>
+            <a:fld id="{EF352739-273F-4728-8B1A-480EEBF683AC}" type="datetime1">
+              <a:rPr lang="en-US" smtClean="0"/>
+              <a:t>3/4/2024</a:t>
+            </a:fld>
+            <a:endParaRPr lang="en-US"/>
+          </a:p>
+        </p:txBody>
+      </p:sp>
+      <p:sp>
+        <p:nvSpPr>
+          <p:cNvPr id="9" name="Slide Number Placeholder 8"/>
+          <p:cNvSpPr>
+            <a:spLocks noGrp="1"/>
+          </p:cNvSpPr>
+          <p:nvPr>
+            <p:ph type="sldNum" sz="quarter" idx="12"/>
+          </p:nvPr>
+        </p:nvSpPr>
+        <p:spPr/>
+        <p:txBody>
+          <a:bodyPr/>
+          <a:lstStyle/>
+          <a:p>
+            <a:fld id="{397A11E8-8F25-49C3-8F7D-865FECFDFD18}" type="slidenum">
+              <a:rPr lang="en-US" smtClean="0"/>
+              <a:t>13</a:t>
+            </a:fld>
+            <a:endParaRPr lang="en-US"/>
+          </a:p>
+        </p:txBody>
+      </p:sp>
+      <p:sp>
+        <p:nvSpPr>
+          <p:cNvPr id="3" name="TextBox 2"/>
+          <p:cNvSpPr txBox="1"/>
+          <p:nvPr/>
+        </p:nvSpPr>
+        <p:spPr>
+          <a:xfrm>
+            <a:off x="5772662" y="5451528"/>
+            <a:ext cx="5586787" cy="369332"/>
+          </a:xfrm>
+          <a:prstGeom prst="rect">
+            <a:avLst/>
+          </a:prstGeom>
+          <a:noFill/>
+        </p:spPr>
+        <p:txBody>
+          <a:bodyPr wrap="none" rtlCol="1">
+            <a:spAutoFit/>
+          </a:bodyPr>
+          <a:lstStyle/>
+          <a:p>
+            <a:pPr marL="285750" indent="-285750" algn="r" rtl="1">
+              <a:buFont typeface="Arial" panose="020B0604020202020204" pitchFamily="34" charset="0"/>
+              <a:buChar char="•"/>
+            </a:pPr>
+            <a:r>
+              <a:rPr lang="he-IL" dirty="0" smtClean="0"/>
+              <a:t>התוצאות של לחיצה ושחרור של החיישן באמצעות האצבע.</a:t>
+            </a:r>
+            <a:endParaRPr lang="he-IL" dirty="0"/>
+          </a:p>
+        </p:txBody>
+      </p:sp>
+      <p:pic>
+        <p:nvPicPr>
+          <p:cNvPr id="10" name="Image9"/>
+          <p:cNvPicPr/>
+          <p:nvPr/>
+        </p:nvPicPr>
+        <p:blipFill>
+          <a:blip r:embed="rId3"/>
+          <a:stretch>
+            <a:fillRect/>
+          </a:stretch>
+        </p:blipFill>
+        <p:spPr bwMode="auto">
+          <a:xfrm>
+            <a:off x="3245743" y="1304058"/>
+            <a:ext cx="5274310" cy="3955415"/>
+          </a:xfrm>
+          <a:prstGeom prst="rect">
+            <a:avLst/>
+          </a:prstGeom>
+        </p:spPr>
+      </p:pic>
+    </p:spTree>
+    <p:extLst>
+      <p:ext uri="{BB962C8B-B14F-4D97-AF65-F5344CB8AC3E}">
+        <p14:creationId xmlns:p14="http://schemas.microsoft.com/office/powerpoint/2010/main" val="1404245300"/>
+      </p:ext>
+    </p:extLst>
+  </p:cSld>
+  <p:clrMapOvr>
+    <a:masterClrMapping/>
+  </p:clrMapOvr>
+</p:sld>
+</file>
+
+<file path=ppt/slides/slide14.xml><?xml version="1.0" encoding="utf-8"?>
+<p:sld xmlns:a="http://schemas.openxmlformats.org/drawingml/2006/main" xmlns:r="http://schemas.openxmlformats.org/officeDocument/2006/relationships" xmlns:p="http://schemas.openxmlformats.org/presentationml/2006/main">
+  <p:cSld>
+    <p:spTree>
+      <p:nvGrpSpPr>
+        <p:cNvPr id="1" name=""/>
+        <p:cNvGrpSpPr/>
+        <p:nvPr/>
+      </p:nvGrpSpPr>
+      <p:grpSpPr>
+        <a:xfrm>
+          <a:off x="0" y="0"/>
+          <a:ext cx="0" cy="0"/>
+          <a:chOff x="0" y="0"/>
+          <a:chExt cx="0" cy="0"/>
+        </a:xfrm>
+      </p:grpSpPr>
+      <p:sp>
+        <p:nvSpPr>
+          <p:cNvPr id="4" name="Title 3"/>
+          <p:cNvSpPr>
+            <a:spLocks noGrp="1"/>
+          </p:cNvSpPr>
+          <p:nvPr>
+            <p:ph type="title"/>
+          </p:nvPr>
+        </p:nvSpPr>
+        <p:spPr>
+          <a:xfrm>
+            <a:off x="4052455" y="404828"/>
+            <a:ext cx="6702725" cy="575154"/>
+          </a:xfrm>
+        </p:spPr>
+        <p:txBody>
+          <a:bodyPr>
+            <a:normAutofit fontScale="90000"/>
+          </a:bodyPr>
+          <a:lstStyle/>
+          <a:p>
+            <a:r>
+              <a:rPr lang="he-IL" dirty="0" smtClean="0">
+                <a:latin typeface="David" panose="020E0502060401010101" pitchFamily="34" charset="-79"/>
+                <a:cs typeface="David" panose="020E0502060401010101" pitchFamily="34" charset="-79"/>
+              </a:rPr>
+              <a:t>מסקנות</a:t>
+            </a:r>
+            <a:endParaRPr lang="en-US" dirty="0"/>
+          </a:p>
+        </p:txBody>
+      </p:sp>
+      <p:pic>
+        <p:nvPicPr>
+          <p:cNvPr id="6" name="Picture 5"/>
+          <p:cNvPicPr>
+            <a:picLocks noChangeAspect="1"/>
+          </p:cNvPicPr>
+          <p:nvPr/>
+        </p:nvPicPr>
+        <p:blipFill>
+          <a:blip r:embed="rId2" cstate="print">
+            <a:extLst>
+              <a:ext uri="{28A0092B-C50C-407E-A947-70E740481C1C}">
+                <a14:useLocalDpi xmlns:a14="http://schemas.microsoft.com/office/drawing/2010/main" val="0"/>
+              </a:ext>
+            </a:extLst>
+          </a:blip>
+          <a:stretch>
+            <a:fillRect/>
+          </a:stretch>
+        </p:blipFill>
+        <p:spPr>
+          <a:xfrm>
+            <a:off x="267419" y="273545"/>
+            <a:ext cx="2925420" cy="666735"/>
+          </a:xfrm>
+          <a:prstGeom prst="rect">
+            <a:avLst/>
+          </a:prstGeom>
+        </p:spPr>
+      </p:pic>
+      <p:sp>
+        <p:nvSpPr>
+          <p:cNvPr id="8" name="Date Placeholder 7"/>
+          <p:cNvSpPr>
+            <a:spLocks noGrp="1"/>
+          </p:cNvSpPr>
+          <p:nvPr>
+            <p:ph type="dt" sz="half" idx="10"/>
+          </p:nvPr>
+        </p:nvSpPr>
+        <p:spPr/>
+        <p:txBody>
+          <a:bodyPr/>
+          <a:lstStyle/>
+          <a:p>
+            <a:fld id="{EF352739-273F-4728-8B1A-480EEBF683AC}" type="datetime1">
+              <a:rPr lang="en-US" smtClean="0"/>
+              <a:t>3/4/2024</a:t>
+            </a:fld>
+            <a:endParaRPr lang="en-US"/>
+          </a:p>
+        </p:txBody>
+      </p:sp>
+      <p:sp>
+        <p:nvSpPr>
+          <p:cNvPr id="9" name="Slide Number Placeholder 8"/>
+          <p:cNvSpPr>
+            <a:spLocks noGrp="1"/>
+          </p:cNvSpPr>
+          <p:nvPr>
+            <p:ph type="sldNum" sz="quarter" idx="12"/>
+          </p:nvPr>
+        </p:nvSpPr>
+        <p:spPr/>
+        <p:txBody>
+          <a:bodyPr/>
+          <a:lstStyle/>
+          <a:p>
+            <a:fld id="{397A11E8-8F25-49C3-8F7D-865FECFDFD18}" type="slidenum">
+              <a:rPr lang="en-US" smtClean="0"/>
+              <a:t>14</a:t>
+            </a:fld>
+            <a:endParaRPr lang="en-US"/>
+          </a:p>
+        </p:txBody>
+      </p:sp>
+      <p:sp>
+        <p:nvSpPr>
+          <p:cNvPr id="3" name="TextBox 2"/>
+          <p:cNvSpPr txBox="1"/>
+          <p:nvPr/>
+        </p:nvSpPr>
+        <p:spPr>
+          <a:xfrm>
+            <a:off x="8523803" y="1251487"/>
+            <a:ext cx="2754280" cy="369332"/>
+          </a:xfrm>
+          <a:prstGeom prst="rect">
+            <a:avLst/>
+          </a:prstGeom>
+          <a:noFill/>
+        </p:spPr>
+        <p:txBody>
+          <a:bodyPr wrap="none" rtlCol="1">
+            <a:spAutoFit/>
+          </a:bodyPr>
+          <a:lstStyle/>
+          <a:p>
+            <a:pPr marL="285750" indent="-285750" algn="r" rtl="1">
+              <a:buFont typeface="Arial" panose="020B0604020202020204" pitchFamily="34" charset="0"/>
+              <a:buChar char="•"/>
+            </a:pPr>
+            <a:r>
+              <a:rPr lang="he-IL" dirty="0" smtClean="0"/>
+              <a:t>החיישנים מתפקדים כראוי</a:t>
+            </a:r>
+            <a:endParaRPr lang="he-IL" dirty="0"/>
+          </a:p>
+        </p:txBody>
+      </p:sp>
+    </p:spTree>
+    <p:extLst>
+      <p:ext uri="{BB962C8B-B14F-4D97-AF65-F5344CB8AC3E}">
+        <p14:creationId xmlns:p14="http://schemas.microsoft.com/office/powerpoint/2010/main" val="1694086546"/>
+      </p:ext>
+    </p:extLst>
+  </p:cSld>
+  <p:clrMapOvr>
+    <a:masterClrMapping/>
+  </p:clrMapOvr>
+</p:sld>
+</file>
+
+<file path=ppt/slides/slide15.xml><?xml version="1.0" encoding="utf-8"?>
+<p:sld xmlns:a="http://schemas.openxmlformats.org/drawingml/2006/main" xmlns:r="http://schemas.openxmlformats.org/officeDocument/2006/relationships" xmlns:p="http://schemas.openxmlformats.org/presentationml/2006/main">
+  <p:cSld>
+    <p:spTree>
+      <p:nvGrpSpPr>
+        <p:cNvPr id="1" name=""/>
+        <p:cNvGrpSpPr/>
+        <p:nvPr/>
+      </p:nvGrpSpPr>
+      <p:grpSpPr>
+        <a:xfrm>
+          <a:off x="0" y="0"/>
+          <a:ext cx="0" cy="0"/>
+          <a:chOff x="0" y="0"/>
+          <a:chExt cx="0" cy="0"/>
+        </a:xfrm>
+      </p:grpSpPr>
+      <p:sp>
+        <p:nvSpPr>
+          <p:cNvPr id="4" name="Title 3"/>
+          <p:cNvSpPr>
+            <a:spLocks noGrp="1"/>
+          </p:cNvSpPr>
+          <p:nvPr>
+            <p:ph type="title"/>
+          </p:nvPr>
+        </p:nvSpPr>
+        <p:spPr>
+          <a:xfrm>
+            <a:off x="4052455" y="404828"/>
+            <a:ext cx="6702725" cy="575154"/>
+          </a:xfrm>
+        </p:spPr>
+        <p:txBody>
+          <a:bodyPr>
+            <a:normAutofit fontScale="90000"/>
+          </a:bodyPr>
+          <a:lstStyle/>
+          <a:p>
+            <a:r>
+              <a:rPr lang="he-IL" dirty="0" smtClean="0">
+                <a:latin typeface="David" panose="020E0502060401010101" pitchFamily="34" charset="-79"/>
+                <a:cs typeface="David" panose="020E0502060401010101" pitchFamily="34" charset="-79"/>
+              </a:rPr>
+              <a:t>מסקנות להמשך</a:t>
+            </a:r>
+            <a:endParaRPr lang="en-US" dirty="0"/>
+          </a:p>
+        </p:txBody>
+      </p:sp>
+      <p:pic>
+        <p:nvPicPr>
+          <p:cNvPr id="6" name="Picture 5"/>
+          <p:cNvPicPr>
+            <a:picLocks noChangeAspect="1"/>
+          </p:cNvPicPr>
+          <p:nvPr/>
+        </p:nvPicPr>
+        <p:blipFill>
+          <a:blip r:embed="rId2" cstate="print">
+            <a:extLst>
+              <a:ext uri="{28A0092B-C50C-407E-A947-70E740481C1C}">
+                <a14:useLocalDpi xmlns:a14="http://schemas.microsoft.com/office/drawing/2010/main" val="0"/>
+              </a:ext>
+            </a:extLst>
+          </a:blip>
+          <a:stretch>
+            <a:fillRect/>
+          </a:stretch>
+        </p:blipFill>
+        <p:spPr>
+          <a:xfrm>
+            <a:off x="267419" y="273545"/>
+            <a:ext cx="2925420" cy="666735"/>
+          </a:xfrm>
+          <a:prstGeom prst="rect">
+            <a:avLst/>
+          </a:prstGeom>
+        </p:spPr>
+      </p:pic>
+      <p:sp>
+        <p:nvSpPr>
+          <p:cNvPr id="8" name="Date Placeholder 7"/>
+          <p:cNvSpPr>
+            <a:spLocks noGrp="1"/>
+          </p:cNvSpPr>
+          <p:nvPr>
+            <p:ph type="dt" sz="half" idx="10"/>
+          </p:nvPr>
+        </p:nvSpPr>
+        <p:spPr/>
+        <p:txBody>
+          <a:bodyPr/>
+          <a:lstStyle/>
+          <a:p>
+            <a:fld id="{EF352739-273F-4728-8B1A-480EEBF683AC}" type="datetime1">
+              <a:rPr lang="en-US" smtClean="0"/>
+              <a:t>3/4/2024</a:t>
+            </a:fld>
+            <a:endParaRPr lang="en-US"/>
+          </a:p>
+        </p:txBody>
+      </p:sp>
+      <p:sp>
+        <p:nvSpPr>
+          <p:cNvPr id="9" name="Slide Number Placeholder 8"/>
+          <p:cNvSpPr>
+            <a:spLocks noGrp="1"/>
+          </p:cNvSpPr>
+          <p:nvPr>
+            <p:ph type="sldNum" sz="quarter" idx="12"/>
+          </p:nvPr>
+        </p:nvSpPr>
+        <p:spPr/>
+        <p:txBody>
+          <a:bodyPr/>
+          <a:lstStyle/>
+          <a:p>
+            <a:fld id="{397A11E8-8F25-49C3-8F7D-865FECFDFD18}" type="slidenum">
+              <a:rPr lang="en-US" smtClean="0"/>
+              <a:t>15</a:t>
             </a:fld>
             <a:endParaRPr lang="en-US"/>
           </a:p>
@@ -5751,9 +6408,74 @@
           </a:p>
         </p:txBody>
       </p:sp>
+      <p:sp>
+        <p:nvSpPr>
+          <p:cNvPr id="3" name="TextBox 2"/>
+          <p:cNvSpPr txBox="1"/>
+          <p:nvPr/>
+        </p:nvSpPr>
+        <p:spPr>
+          <a:xfrm>
+            <a:off x="511608" y="5451528"/>
+            <a:ext cx="10847841" cy="646331"/>
+          </a:xfrm>
+          <a:prstGeom prst="rect">
+            <a:avLst/>
+          </a:prstGeom>
+          <a:noFill/>
+        </p:spPr>
+        <p:txBody>
+          <a:bodyPr wrap="none" rtlCol="1">
+            <a:spAutoFit/>
+          </a:bodyPr>
+          <a:lstStyle/>
+          <a:p>
+            <a:pPr marL="285750" indent="-285750" algn="r" rtl="1">
+              <a:buFont typeface="Arial" panose="020B0604020202020204" pitchFamily="34" charset="0"/>
+              <a:buChar char="•"/>
+            </a:pPr>
+            <a:r>
+              <a:rPr lang="he-IL" dirty="0" smtClean="0"/>
+              <a:t>השוואה בין צירי של מד התאוצה של ה</a:t>
+            </a:r>
+            <a:r>
+              <a:rPr lang="en-US" dirty="0" smtClean="0"/>
+              <a:t>IMU</a:t>
+            </a:r>
+            <a:r>
+              <a:rPr lang="he-IL" dirty="0" smtClean="0"/>
+              <a:t>. ניתן לראות שציר </a:t>
+            </a:r>
+            <a:r>
+              <a:rPr lang="en-US" dirty="0" smtClean="0"/>
+              <a:t>Z</a:t>
+            </a:r>
+            <a:r>
+              <a:rPr lang="he-IL" dirty="0" smtClean="0"/>
+              <a:t> נותן את תאוצת </a:t>
+            </a:r>
+            <a:r>
+              <a:rPr lang="he-IL" dirty="0" err="1" smtClean="0"/>
+              <a:t>כדוה"א</a:t>
+            </a:r>
+            <a:r>
+              <a:rPr lang="he-IL" dirty="0" smtClean="0"/>
+              <a:t> ( באזור 9.81), בעוד שהצירים</a:t>
+            </a:r>
+          </a:p>
+          <a:p>
+            <a:pPr algn="r" rtl="1"/>
+            <a:r>
+              <a:rPr lang="he-IL" dirty="0" smtClean="0"/>
+              <a:t>האחרים בקירוב הערך אפס כפי שצופה.</a:t>
+            </a:r>
+            <a:endParaRPr lang="he-IL" dirty="0"/>
+          </a:p>
+        </p:txBody>
+      </p:sp>
       <p:pic>
         <p:nvPicPr>
-          <p:cNvPr id="10" name="Image1"/>
+          <p:cNvPr id="11" name="Image15"/>
           <p:cNvPicPr/>
           <p:nvPr/>
         </p:nvPicPr>
@@ -5765,79 +6487,36 @@
         </p:blipFill>
         <p:spPr bwMode="auto">
           <a:xfrm>
-            <a:off x="2769171" y="979982"/>
-            <a:ext cx="6750664" cy="4507806"/>
+            <a:off x="267419" y="1198345"/>
+            <a:ext cx="5274310" cy="3955415"/>
           </a:xfrm>
           <a:prstGeom prst="rect">
             <a:avLst/>
           </a:prstGeom>
         </p:spPr>
       </p:pic>
-      <p:sp>
-        <p:nvSpPr>
-          <p:cNvPr id="3" name="TextBox 2"/>
-          <p:cNvSpPr txBox="1"/>
+      <p:pic>
+        <p:nvPicPr>
+          <p:cNvPr id="12" name="Image14"/>
+          <p:cNvPicPr/>
           <p:nvPr/>
-        </p:nvSpPr>
-        <p:spPr>
-          <a:xfrm>
-            <a:off x="511608" y="5451528"/>
-            <a:ext cx="10847841" cy="646331"/>
+        </p:nvPicPr>
+        <p:blipFill>
+          <a:blip r:embed="rId4"/>
+          <a:stretch>
+            <a:fillRect/>
+          </a:stretch>
+        </p:blipFill>
+        <p:spPr bwMode="auto">
+          <a:xfrm>
+            <a:off x="6079490" y="1079334"/>
+            <a:ext cx="5274310" cy="3955415"/>
           </a:xfrm>
           <a:prstGeom prst="rect">
             <a:avLst/>
           </a:prstGeom>
-          <a:noFill/>
-        </p:spPr>
-        <p:txBody>
-          <a:bodyPr wrap="none" rtlCol="1">
-            <a:spAutoFit/>
-          </a:bodyPr>
-          <a:lstStyle/>
-          <a:p>
-            <a:pPr marL="285750" indent="-285750" algn="r" rtl="1">
-              <a:buFont typeface="Arial" panose="020B0604020202020204" pitchFamily="34" charset="0"/>
-              <a:buChar char="•"/>
-            </a:pPr>
-            <a:r>
-              <a:rPr lang="he-IL" dirty="0" smtClean="0"/>
-              <a:t>השוואה בין צירי של מד התאוצה של ה</a:t>
-            </a:r>
-            <a:r>
-              <a:rPr lang="en-US" dirty="0" smtClean="0"/>
-              <a:t>IMU</a:t>
-            </a:r>
-            <a:r>
-              <a:rPr lang="he-IL" dirty="0" smtClean="0"/>
-              <a:t>. ניתן לראות שציר </a:t>
-            </a:r>
-            <a:r>
-              <a:rPr lang="en-US" dirty="0" smtClean="0"/>
-              <a:t>Z</a:t>
-            </a:r>
-            <a:r>
-              <a:rPr lang="he-IL" dirty="0" smtClean="0"/>
-              <a:t> נותן את תאוצת </a:t>
-            </a:r>
-            <a:r>
-              <a:rPr lang="he-IL" dirty="0" err="1" smtClean="0"/>
-              <a:t>כדוה"א</a:t>
-            </a:r>
-            <a:r>
-              <a:rPr lang="he-IL" dirty="0" smtClean="0"/>
-              <a:t> ( באזור 9.81), בעוד שהצירים</a:t>
-            </a:r>
-          </a:p>
-          <a:p>
-            <a:pPr algn="r" rtl="1"/>
-            <a:r>
-              <a:rPr lang="he-IL" dirty="0" smtClean="0"/>
-              <a:t>האחרים בקירוב הערך אפס כפי שצופה.</a:t>
-            </a:r>
-            <a:endParaRPr lang="he-IL" dirty="0"/>
-          </a:p>
-        </p:txBody>
-      </p:sp>
+        </p:spPr>
+      </p:pic>
     </p:spTree>
     <p:extLst>
       <p:ext uri="{BB962C8B-B14F-4D97-AF65-F5344CB8AC3E}">
@@ -5891,18 +6570,11 @@
           <a:lstStyle/>
           <a:p>
             <a:r>
-              <a:rPr lang="en-US" dirty="0" err="1" smtClean="0">
+              <a:rPr lang="en-US" dirty="0" smtClean="0">
                 <a:latin typeface="David" panose="020E0502060401010101" pitchFamily="34" charset="-79"/>
                 <a:cs typeface="David" panose="020E0502060401010101" pitchFamily="34" charset="-79"/>
               </a:rPr>
-              <a:t>T</a:t>
-            </a:r>
-            <a:r>
-              <a:rPr lang="en-US" dirty="0" err="1" smtClean="0">
-                <a:latin typeface="David" panose="020E0502060401010101" pitchFamily="34" charset="-79"/>
-                <a:cs typeface="David" panose="020E0502060401010101" pitchFamily="34" charset="-79"/>
-              </a:rPr>
-              <a:t>oF</a:t>
+              <a:t>IMU</a:t>
             </a:r>
             <a:r>
               <a:rPr lang="he-IL" dirty="0" smtClean="0">
@@ -5999,8 +6671,8 @@
         </p:nvSpPr>
         <p:spPr>
           <a:xfrm>
-            <a:off x="3815396" y="5451528"/>
-            <a:ext cx="7544053" cy="646331"/>
+            <a:off x="5145889" y="5451528"/>
+            <a:ext cx="6213560" cy="369332"/>
           </a:xfrm>
           <a:prstGeom prst="rect">
             <a:avLst/>
@@ -6019,22 +6691,7 @@
             </a:pPr>
             <a:r>
               <a:rPr lang="he-IL" dirty="0" smtClean="0"/>
-              <a:t>השוואה בין הליכה והתקרבות אל הסנסור העובד בתדירות של </a:t>
-            </a:r>
-            <a:r>
-              <a:rPr lang="en-US" dirty="0" smtClean="0"/>
-              <a:t>100KHz</a:t>
-            </a:r>
-            <a:r>
-              <a:rPr lang="he-IL" dirty="0" smtClean="0"/>
-              <a:t> – </a:t>
-            </a:r>
-          </a:p>
-          <a:p>
-            <a:pPr algn="r" rtl="1"/>
-            <a:r>
-              <a:rPr lang="he-IL" dirty="0" smtClean="0"/>
-              <a:t>ערך הממוצע של הפיקסלים. כאמור ניתן לראות שהתקרבות וההתרחקות עובד כצפוי.</a:t>
+              <a:t>מצב של טלטול, ניתן לראות שהסנסור מגיב לטלטול בצורה מעולה</a:t>
             </a:r>
             <a:endParaRPr lang="he-IL" dirty="0"/>
           </a:p>
@@ -6042,7 +6699,7 @@
       </p:sp>
       <p:pic>
         <p:nvPicPr>
-          <p:cNvPr id="12" name="Image4"/>
+          <p:cNvPr id="11" name="Image16"/>
           <p:cNvPicPr/>
           <p:nvPr/>
         </p:nvPicPr>
@@ -6054,8 +6711,8 @@
         </p:blipFill>
         <p:spPr bwMode="auto">
           <a:xfrm>
-            <a:off x="3458845" y="1451293"/>
-            <a:ext cx="5274310" cy="3955415"/>
+            <a:off x="37594" y="1420027"/>
+            <a:ext cx="5274310" cy="3390265"/>
           </a:xfrm>
           <a:prstGeom prst="rect">
             <a:avLst/>
@@ -6064,20 +6721,20 @@
       </p:pic>
       <p:pic>
         <p:nvPicPr>
-          <p:cNvPr id="13" name="Image4"/>
+          <p:cNvPr id="12" name="Image17"/>
           <p:cNvPicPr/>
           <p:nvPr/>
         </p:nvPicPr>
         <p:blipFill>
-          <a:blip r:embed="rId3"/>
+          <a:blip r:embed="rId4"/>
           <a:stretch>
             <a:fillRect/>
           </a:stretch>
         </p:blipFill>
         <p:spPr bwMode="auto">
           <a:xfrm>
-            <a:off x="3067513" y="1198345"/>
-            <a:ext cx="5274310" cy="3955415"/>
+            <a:off x="5935528" y="1435525"/>
+            <a:ext cx="5274310" cy="3390265"/>
           </a:xfrm>
           <a:prstGeom prst="rect">
             <a:avLst/>
@@ -6087,7 +6744,7 @@
     </p:spTree>
     <p:extLst>
       <p:ext uri="{BB962C8B-B14F-4D97-AF65-F5344CB8AC3E}">
-        <p14:creationId xmlns:p14="http://schemas.microsoft.com/office/powerpoint/2010/main" val="907534432"/>
+        <p14:creationId xmlns:p14="http://schemas.microsoft.com/office/powerpoint/2010/main" val="1465325046"/>
       </p:ext>
     </p:extLst>
   </p:cSld>
@@ -6141,7 +6798,7 @@
                 <a:latin typeface="David" panose="020E0502060401010101" pitchFamily="34" charset="-79"/>
                 <a:cs typeface="David" panose="020E0502060401010101" pitchFamily="34" charset="-79"/>
               </a:rPr>
-              <a:t>AMG8833</a:t>
+              <a:t>IMU</a:t>
             </a:r>
             <a:r>
               <a:rPr lang="he-IL" dirty="0" smtClean="0">
@@ -6238,8 +6895,8 @@
         </p:nvSpPr>
         <p:spPr>
           <a:xfrm>
-            <a:off x="327263" y="5451528"/>
-            <a:ext cx="11032186" cy="646331"/>
+            <a:off x="7016593" y="5451528"/>
+            <a:ext cx="4342856" cy="369332"/>
           </a:xfrm>
           <a:prstGeom prst="rect">
             <a:avLst/>
@@ -6258,14 +6915,7 @@
             </a:pPr>
             <a:r>
               <a:rPr lang="he-IL" dirty="0" smtClean="0"/>
-              <a:t>השוואה בין הטמפ' הממוצעות של כל הפיקסלים של החיישן, ניתן לראות שנותן טמפ' חום גוף של אדם כצפוי ( עמידה מול</a:t>
-            </a:r>
-          </a:p>
-          <a:p>
-            <a:pPr algn="r" rtl="1"/>
-            <a:r>
-              <a:rPr lang="he-IL" dirty="0" smtClean="0"/>
-              <a:t>המצלמה התרמית)</a:t>
+              <a:t>הרמה של חפץ בציר אחד וטלטול בצדו השני</a:t>
             </a:r>
             <a:endParaRPr lang="he-IL" dirty="0"/>
           </a:p>
@@ -6273,7 +6923,7 @@
       </p:sp>
       <p:pic>
         <p:nvPicPr>
-          <p:cNvPr id="11" name="Image7"/>
+          <p:cNvPr id="10" name="Image18"/>
           <p:cNvPicPr/>
           <p:nvPr/>
         </p:nvPicPr>
@@ -6285,8 +6935,30 @@
         </p:blipFill>
         <p:spPr bwMode="auto">
           <a:xfrm>
-            <a:off x="3523281" y="979982"/>
-            <a:ext cx="4069457" cy="4264477"/>
+            <a:off x="267419" y="1198345"/>
+            <a:ext cx="5274310" cy="3955415"/>
+          </a:xfrm>
+          <a:prstGeom prst="rect">
+            <a:avLst/>
+          </a:prstGeom>
+        </p:spPr>
+      </p:pic>
+      <p:pic>
+        <p:nvPicPr>
+          <p:cNvPr id="13" name="Image19"/>
+          <p:cNvPicPr/>
+          <p:nvPr/>
+        </p:nvPicPr>
+        <p:blipFill>
+          <a:blip r:embed="rId4"/>
+          <a:stretch>
+            <a:fillRect/>
+          </a:stretch>
+        </p:blipFill>
+        <p:spPr bwMode="auto">
+          <a:xfrm>
+            <a:off x="5667353" y="1137452"/>
+            <a:ext cx="5274310" cy="3955415"/>
           </a:xfrm>
           <a:prstGeom prst="rect">
             <a:avLst/>
@@ -6296,7 +6968,7 @@
     </p:spTree>
     <p:extLst>
       <p:ext uri="{BB962C8B-B14F-4D97-AF65-F5344CB8AC3E}">
-        <p14:creationId xmlns:p14="http://schemas.microsoft.com/office/powerpoint/2010/main" val="572226084"/>
+        <p14:creationId xmlns:p14="http://schemas.microsoft.com/office/powerpoint/2010/main" val="2862478268"/>
       </p:ext>
     </p:extLst>
   </p:cSld>

--- a/ProjectDocuments/Template4Mid (6) (2).pptx
+++ b/ProjectDocuments/Template4Mid (6) (2).pptx
@@ -211,7 +211,7 @@
           <a:p>
             <a:fld id="{EA97663B-01EE-4D27-B6B8-967932AFFB1A}" type="datetimeFigureOut">
               <a:rPr lang="en-US" smtClean="0"/>
-              <a:t>3/4/2024</a:t>
+              <a:t>3/10/2024</a:t>
             </a:fld>
             <a:endParaRPr lang="en-US"/>
           </a:p>
@@ -610,7 +610,7 @@
           <a:p>
             <a:fld id="{98C418D1-F151-4A1A-AFA6-1FCB5125A92E}" type="datetime1">
               <a:rPr lang="en-US" smtClean="0"/>
-              <a:t>3/4/2024</a:t>
+              <a:t>3/10/2024</a:t>
             </a:fld>
             <a:endParaRPr lang="en-US"/>
           </a:p>
@@ -780,7 +780,7 @@
           <a:p>
             <a:fld id="{6202360F-72F0-40E4-9497-E500D92B1CFF}" type="datetime1">
               <a:rPr lang="en-US" smtClean="0"/>
-              <a:t>3/4/2024</a:t>
+              <a:t>3/10/2024</a:t>
             </a:fld>
             <a:endParaRPr lang="en-US"/>
           </a:p>
@@ -960,7 +960,7 @@
           <a:p>
             <a:fld id="{37D16CB8-DFD9-47B7-B7FB-CD991A84E186}" type="datetime1">
               <a:rPr lang="en-US" smtClean="0"/>
-              <a:t>3/4/2024</a:t>
+              <a:t>3/10/2024</a:t>
             </a:fld>
             <a:endParaRPr lang="en-US"/>
           </a:p>
@@ -1130,7 +1130,7 @@
           <a:p>
             <a:fld id="{CBC7F67C-1AAC-41A5-BA08-7B0723E42167}" type="datetime1">
               <a:rPr lang="en-US" smtClean="0"/>
-              <a:t>3/4/2024</a:t>
+              <a:t>3/10/2024</a:t>
             </a:fld>
             <a:endParaRPr lang="en-US"/>
           </a:p>
@@ -1376,7 +1376,7 @@
           <a:p>
             <a:fld id="{8075C26D-52F0-48CD-A26B-03EAFD2B9DF3}" type="datetime1">
               <a:rPr lang="en-US" smtClean="0"/>
-              <a:t>3/4/2024</a:t>
+              <a:t>3/10/2024</a:t>
             </a:fld>
             <a:endParaRPr lang="en-US"/>
           </a:p>
@@ -1608,7 +1608,7 @@
           <a:p>
             <a:fld id="{82CBBECA-3C0A-4CD9-9812-4FBF50F0829F}" type="datetime1">
               <a:rPr lang="en-US" smtClean="0"/>
-              <a:t>3/4/2024</a:t>
+              <a:t>3/10/2024</a:t>
             </a:fld>
             <a:endParaRPr lang="en-US"/>
           </a:p>
@@ -1975,7 +1975,7 @@
           <a:p>
             <a:fld id="{5B10F0E8-360B-4BB4-8873-CE1C24987C49}" type="datetime1">
               <a:rPr lang="en-US" smtClean="0"/>
-              <a:t>3/4/2024</a:t>
+              <a:t>3/10/2024</a:t>
             </a:fld>
             <a:endParaRPr lang="en-US"/>
           </a:p>
@@ -2093,7 +2093,7 @@
           <a:p>
             <a:fld id="{AFB9C237-DA93-4873-9F13-2D421E4D5784}" type="datetime1">
               <a:rPr lang="en-US" smtClean="0"/>
-              <a:t>3/4/2024</a:t>
+              <a:t>3/10/2024</a:t>
             </a:fld>
             <a:endParaRPr lang="en-US"/>
           </a:p>
@@ -2188,7 +2188,7 @@
           <a:p>
             <a:fld id="{6BC7881F-D2DD-4759-A335-6ECF54EA6174}" type="datetime1">
               <a:rPr lang="en-US" smtClean="0"/>
-              <a:t>3/4/2024</a:t>
+              <a:t>3/10/2024</a:t>
             </a:fld>
             <a:endParaRPr lang="en-US"/>
           </a:p>
@@ -2465,7 +2465,7 @@
           <a:p>
             <a:fld id="{98EFE89D-0E68-4F88-8280-A11E17E07B1E}" type="datetime1">
               <a:rPr lang="en-US" smtClean="0"/>
-              <a:t>3/4/2024</a:t>
+              <a:t>3/10/2024</a:t>
             </a:fld>
             <a:endParaRPr lang="en-US"/>
           </a:p>
@@ -2718,7 +2718,7 @@
           <a:p>
             <a:fld id="{02540482-3831-4044-A267-EC94C1533077}" type="datetime1">
               <a:rPr lang="en-US" smtClean="0"/>
-              <a:t>3/4/2024</a:t>
+              <a:t>3/10/2024</a:t>
             </a:fld>
             <a:endParaRPr lang="en-US"/>
           </a:p>
@@ -2931,7 +2931,7 @@
           <a:p>
             <a:fld id="{E348A5E2-79BB-466B-93AD-FE62946A96F1}" type="datetime1">
               <a:rPr lang="en-US" smtClean="0"/>
-              <a:t>3/4/2024</a:t>
+              <a:t>3/10/2024</a:t>
             </a:fld>
             <a:endParaRPr lang="en-US"/>
           </a:p>
@@ -3444,7 +3444,7 @@
           <a:p>
             <a:fld id="{EF352739-273F-4728-8B1A-480EEBF683AC}" type="datetime1">
               <a:rPr lang="en-US" smtClean="0"/>
-              <a:t>3/4/2024</a:t>
+              <a:t>3/10/2024</a:t>
             </a:fld>
             <a:endParaRPr lang="en-US"/>
           </a:p>
@@ -3745,7 +3745,7 @@
           <a:p>
             <a:fld id="{EF352739-273F-4728-8B1A-480EEBF683AC}" type="datetime1">
               <a:rPr lang="en-US" smtClean="0"/>
-              <a:t>3/4/2024</a:t>
+              <a:t>3/10/2024</a:t>
             </a:fld>
             <a:endParaRPr lang="en-US"/>
           </a:p>
@@ -3973,7 +3973,7 @@
           <a:p>
             <a:fld id="{EF352739-273F-4728-8B1A-480EEBF683AC}" type="datetime1">
               <a:rPr lang="en-US" smtClean="0"/>
-              <a:t>3/4/2024</a:t>
+              <a:t>3/10/2024</a:t>
             </a:fld>
             <a:endParaRPr lang="en-US"/>
           </a:p>
@@ -4190,7 +4190,7 @@
           <a:p>
             <a:fld id="{EF352739-273F-4728-8B1A-480EEBF683AC}" type="datetime1">
               <a:rPr lang="en-US" smtClean="0"/>
-              <a:t>3/4/2024</a:t>
+              <a:t>3/10/2024</a:t>
             </a:fld>
             <a:endParaRPr lang="en-US"/>
           </a:p>
@@ -4399,7 +4399,7 @@
           <a:p>
             <a:fld id="{EF352739-273F-4728-8B1A-480EEBF683AC}" type="datetime1">
               <a:rPr lang="en-US" smtClean="0"/>
-              <a:t>3/4/2024</a:t>
+              <a:t>3/10/2024</a:t>
             </a:fld>
             <a:endParaRPr lang="en-US"/>
           </a:p>
@@ -4594,7 +4594,7 @@
           <a:p>
             <a:fld id="{EF352739-273F-4728-8B1A-480EEBF683AC}" type="datetime1">
               <a:rPr lang="en-US" smtClean="0"/>
-              <a:t>3/4/2024</a:t>
+              <a:t>3/10/2024</a:t>
             </a:fld>
             <a:endParaRPr lang="en-US"/>
           </a:p>
@@ -4631,8 +4631,8 @@
         </p:nvSpPr>
         <p:spPr>
           <a:xfrm>
-            <a:off x="8523803" y="1251487"/>
-            <a:ext cx="2754280" cy="369332"/>
+            <a:off x="3827005" y="1251487"/>
+            <a:ext cx="7451078" cy="1477328"/>
           </a:xfrm>
           <a:prstGeom prst="rect">
             <a:avLst/>
@@ -4651,8 +4651,87 @@
             </a:pPr>
             <a:r>
               <a:rPr lang="he-IL" dirty="0" smtClean="0"/>
-              <a:t>החיישנים מתפקדים כראוי</a:t>
-            </a:r>
+              <a:t>החיישנים מתפקדים </a:t>
+            </a:r>
+            <a:r>
+              <a:rPr lang="he-IL" dirty="0" smtClean="0"/>
+              <a:t>כראוי</a:t>
+            </a:r>
+          </a:p>
+          <a:p>
+            <a:pPr marL="285750" indent="-285750" algn="r" rtl="1">
+              <a:buFont typeface="Arial" panose="020B0604020202020204" pitchFamily="34" charset="0"/>
+              <a:buChar char="•"/>
+            </a:pPr>
+            <a:r>
+              <a:rPr lang="he-IL" dirty="0" smtClean="0"/>
+              <a:t>ניתן להתחבר באמצעות </a:t>
+            </a:r>
+            <a:r>
+              <a:rPr lang="en-US" dirty="0" smtClean="0"/>
+              <a:t>WIFI</a:t>
+            </a:r>
+            <a:r>
+              <a:rPr lang="he-IL" dirty="0" smtClean="0"/>
+              <a:t> ל</a:t>
+            </a:r>
+            <a:r>
+              <a:rPr lang="en-US" dirty="0" smtClean="0"/>
+              <a:t>pi</a:t>
+            </a:r>
+            <a:r>
+              <a:rPr lang="he-IL" dirty="0" smtClean="0"/>
+              <a:t>, ובאמצעות מחשב </a:t>
+            </a:r>
+            <a:r>
+              <a:rPr lang="en-US" dirty="0" smtClean="0"/>
+              <a:t>PC</a:t>
+            </a:r>
+            <a:r>
+              <a:rPr lang="he-IL" dirty="0" smtClean="0"/>
+              <a:t> עם וינדוס </a:t>
+            </a:r>
+            <a:r>
+              <a:rPr lang="en-US" dirty="0" smtClean="0"/>
+              <a:t>WIFI/SERIAL</a:t>
+            </a:r>
+            <a:endParaRPr lang="he-IL" dirty="0" smtClean="0"/>
+          </a:p>
+          <a:p>
+            <a:pPr marL="285750" indent="-285750" algn="r" rtl="1">
+              <a:buFont typeface="Arial" panose="020B0604020202020204" pitchFamily="34" charset="0"/>
+              <a:buChar char="•"/>
+            </a:pPr>
+            <a:r>
+              <a:rPr lang="he-IL" dirty="0" smtClean="0"/>
+              <a:t>מצב </a:t>
+            </a:r>
+            <a:r>
+              <a:rPr lang="en-US" dirty="0" smtClean="0"/>
+              <a:t>STANDALONE / SLAVE</a:t>
+            </a:r>
+            <a:endParaRPr lang="he-IL" dirty="0" smtClean="0"/>
+          </a:p>
+          <a:p>
+            <a:pPr marL="285750" indent="-285750" algn="r" rtl="1">
+              <a:buFont typeface="Arial" panose="020B0604020202020204" pitchFamily="34" charset="0"/>
+              <a:buChar char="•"/>
+            </a:pPr>
+            <a:r>
+              <a:rPr lang="he-IL" dirty="0" smtClean="0"/>
+              <a:t>תיעוד </a:t>
+            </a:r>
+            <a:r>
+              <a:rPr lang="he-IL" smtClean="0"/>
+              <a:t>הפרוייקט</a:t>
+            </a:r>
+            <a:endParaRPr lang="he-IL" dirty="0" smtClean="0"/>
+          </a:p>
+          <a:p>
+            <a:pPr marL="285750" indent="-285750" algn="r" rtl="1">
+              <a:buFont typeface="Arial" panose="020B0604020202020204" pitchFamily="34" charset="0"/>
+              <a:buChar char="•"/>
+            </a:pPr>
             <a:endParaRPr lang="he-IL" dirty="0"/>
           </a:p>
         </p:txBody>
@@ -4767,7 +4846,7 @@
           <a:p>
             <a:fld id="{EF352739-273F-4728-8B1A-480EEBF683AC}" type="datetime1">
               <a:rPr lang="en-US" smtClean="0"/>
-              <a:t>3/4/2024</a:t>
+              <a:t>3/10/2024</a:t>
             </a:fld>
             <a:endParaRPr lang="en-US"/>
           </a:p>
@@ -5117,7 +5196,7 @@
           <a:p>
             <a:fld id="{EF352739-273F-4728-8B1A-480EEBF683AC}" type="datetime1">
               <a:rPr lang="en-US" smtClean="0"/>
-              <a:t>3/4/2024</a:t>
+              <a:t>3/10/2024</a:t>
             </a:fld>
             <a:endParaRPr lang="en-US"/>
           </a:p>
@@ -5389,7 +5468,7 @@
           <a:p>
             <a:fld id="{EF352739-273F-4728-8B1A-480EEBF683AC}" type="datetime1">
               <a:rPr lang="en-US" smtClean="0"/>
-              <a:t>3/4/2024</a:t>
+              <a:t>3/10/2024</a:t>
             </a:fld>
             <a:endParaRPr lang="en-US"/>
           </a:p>
@@ -5910,7 +5989,7 @@
           <a:p>
             <a:fld id="{EF352739-273F-4728-8B1A-480EEBF683AC}" type="datetime1">
               <a:rPr lang="en-US" smtClean="0"/>
-              <a:t>3/4/2024</a:t>
+              <a:t>3/10/2024</a:t>
             </a:fld>
             <a:endParaRPr lang="en-US"/>
           </a:p>
@@ -6049,7 +6128,7 @@
           <a:p>
             <a:fld id="{EF352739-273F-4728-8B1A-480EEBF683AC}" type="datetime1">
               <a:rPr lang="en-US" smtClean="0"/>
-              <a:t>3/4/2024</a:t>
+              <a:t>3/10/2024</a:t>
             </a:fld>
             <a:endParaRPr lang="en-US"/>
           </a:p>
@@ -6214,7 +6293,7 @@
           <a:p>
             <a:fld id="{EF352739-273F-4728-8B1A-480EEBF683AC}" type="datetime1">
               <a:rPr lang="en-US" smtClean="0"/>
-              <a:t>3/4/2024</a:t>
+              <a:t>3/10/2024</a:t>
             </a:fld>
             <a:endParaRPr lang="en-US"/>
           </a:p>
@@ -6258,6 +6337,10 @@
           <a:bodyPr/>
           <a:lstStyle/>
           <a:p>
+            <a:r>
+              <a:rPr lang="en-US" dirty="0" smtClean="0"/>
+              <a:t>&lt;M5StackTelemetry&gt;\CLI\Demo\Video</a:t>
+            </a:r>
             <a:endParaRPr lang="he-IL" dirty="0"/>
           </a:p>
         </p:txBody>
@@ -6379,7 +6462,7 @@
           <a:p>
             <a:fld id="{EF352739-273F-4728-8B1A-480EEBF683AC}" type="datetime1">
               <a:rPr lang="en-US" smtClean="0"/>
-              <a:t>3/4/2024</a:t>
+              <a:t>3/10/2024</a:t>
             </a:fld>
             <a:endParaRPr lang="en-US"/>
           </a:p>
@@ -6634,7 +6717,7 @@
           <a:p>
             <a:fld id="{EF352739-273F-4728-8B1A-480EEBF683AC}" type="datetime1">
               <a:rPr lang="en-US" smtClean="0"/>
-              <a:t>3/4/2024</a:t>
+              <a:t>3/10/2024</a:t>
             </a:fld>
             <a:endParaRPr lang="en-US"/>
           </a:p>
@@ -6858,7 +6941,7 @@
           <a:p>
             <a:fld id="{EF352739-273F-4728-8B1A-480EEBF683AC}" type="datetime1">
               <a:rPr lang="en-US" smtClean="0"/>
-              <a:t>3/4/2024</a:t>
+              <a:t>3/10/2024</a:t>
             </a:fld>
             <a:endParaRPr lang="en-US"/>
           </a:p>
